--- a/spring/docs/07-spring-tx.pptx
+++ b/spring/docs/07-spring-tx.pptx
@@ -6,12 +6,19 @@
     <p:sldMasterId id="2147483660" r:id="rId2"/>
   </p:sldMasterIdLst>
   <p:notesMasterIdLst>
-    <p:notesMasterId r:id="rId6"/>
+    <p:notesMasterId r:id="rId13"/>
   </p:notesMasterIdLst>
   <p:sldIdLst>
     <p:sldId id="256" r:id="rId3"/>
     <p:sldId id="262" r:id="rId4"/>
-    <p:sldId id="261" r:id="rId5"/>
+    <p:sldId id="263" r:id="rId5"/>
+    <p:sldId id="264" r:id="rId6"/>
+    <p:sldId id="265" r:id="rId7"/>
+    <p:sldId id="266" r:id="rId8"/>
+    <p:sldId id="267" r:id="rId9"/>
+    <p:sldId id="268" r:id="rId10"/>
+    <p:sldId id="269" r:id="rId11"/>
+    <p:sldId id="261" r:id="rId12"/>
   </p:sldIdLst>
   <p:sldSz cx="9144000" cy="6858000" type="screen4x3"/>
   <p:notesSz cx="6858000" cy="9144000"/>
@@ -550,7 +557,7 @@
             <a:fld id="{96901A81-0F01-4EEE-B1B8-8AAFCC661EC4}" type="slidenum">
               <a:rPr lang="zh-CN" altLang="en-US" smtClean="0"/>
               <a:pPr/>
-              <a:t>3</a:t>
+              <a:t>10</a:t>
             </a:fld>
             <a:endParaRPr lang="zh-CN" altLang="en-US"/>
           </a:p>
@@ -39759,6 +39766,43 @@
 </p:sld>
 </file>
 
+<file path=ppt/slides/slide10.xml><?xml version="1.0" encoding="utf-8"?>
+<p:sld xmlns:a="http://schemas.openxmlformats.org/drawingml/2006/main" xmlns:r="http://schemas.openxmlformats.org/officeDocument/2006/relationships" xmlns:p="http://schemas.openxmlformats.org/presentationml/2006/main">
+  <p:cSld>
+    <p:spTree>
+      <p:nvGrpSpPr>
+        <p:cNvPr id="1" name=""/>
+        <p:cNvGrpSpPr/>
+        <p:nvPr/>
+      </p:nvGrpSpPr>
+      <p:grpSpPr>
+        <a:xfrm>
+          <a:off x="0" y="0"/>
+          <a:ext cx="0" cy="0"/>
+          <a:chOff x="0" y="0"/>
+          <a:chExt cx="0" cy="0"/>
+        </a:xfrm>
+      </p:grpSpPr>
+    </p:spTree>
+    <p:extLst>
+      <p:ext uri="{BB962C8B-B14F-4D97-AF65-F5344CB8AC3E}">
+        <p14:creationId xmlns:p14="http://schemas.microsoft.com/office/powerpoint/2010/main" val="3418871224"/>
+      </p:ext>
+    </p:extLst>
+  </p:cSld>
+  <p:clrMapOvr>
+    <a:masterClrMapping/>
+  </p:clrMapOvr>
+  <p:timing>
+    <p:tnLst>
+      <p:par>
+        <p:cTn id="1" dur="indefinite" restart="never" nodeType="tmRoot"/>
+      </p:par>
+    </p:tnLst>
+  </p:timing>
+</p:sld>
+</file>
+
 <file path=ppt/slides/slide2.xml><?xml version="1.0" encoding="utf-8"?>
 <p:sld xmlns:a="http://schemas.openxmlformats.org/drawingml/2006/main" xmlns:r="http://schemas.openxmlformats.org/officeDocument/2006/relationships" xmlns:p="http://schemas.openxmlformats.org/presentationml/2006/main">
   <p:cSld>
@@ -39793,7 +39837,11 @@
           </a:bodyPr>
           <a:lstStyle/>
           <a:p>
-            <a:endParaRPr lang="zh-CN" altLang="en-US"/>
+            <a:r>
+              <a:rPr lang="zh-CN" altLang="en-US" dirty="0"/>
+              <a:t>数据库事务</a:t>
+            </a:r>
+            <a:endParaRPr lang="zh-CN" altLang="en-US" dirty="0"/>
           </a:p>
         </p:txBody>
       </p:sp>
@@ -39809,10 +39857,43 @@
         </p:nvSpPr>
         <p:spPr/>
         <p:txBody>
-          <a:bodyPr/>
+          <a:bodyPr>
+            <a:normAutofit/>
+          </a:bodyPr>
           <a:lstStyle/>
           <a:p>
-            <a:endParaRPr lang="zh-CN" altLang="en-US"/>
+            <a:r>
+              <a:rPr lang="zh-CN" altLang="en-US" dirty="0"/>
+              <a:t>一个数据库事务通常包含了一个序列的对数据库的读</a:t>
+            </a:r>
+            <a:r>
+              <a:rPr lang="en-US" altLang="zh-CN" dirty="0"/>
+              <a:t>/</a:t>
+            </a:r>
+            <a:r>
+              <a:rPr lang="zh-CN" altLang="en-US" dirty="0"/>
+              <a:t>写操作。它的存在包含有以下两个目的</a:t>
+            </a:r>
+            <a:r>
+              <a:rPr lang="zh-CN" altLang="en-US" dirty="0" smtClean="0"/>
+              <a:t>：</a:t>
+            </a:r>
+            <a:endParaRPr lang="zh-CN" altLang="en-US" dirty="0"/>
+          </a:p>
+          <a:p>
+            <a:pPr lvl="1"/>
+            <a:r>
+              <a:rPr lang="zh-CN" altLang="en-US" dirty="0"/>
+              <a:t>为数据库操作序列提供了一个从失败中恢复到正常状态的方法，同时提供了数据库即使在异常状态下仍能保持一致性的方法。</a:t>
+            </a:r>
+          </a:p>
+          <a:p>
+            <a:pPr lvl="1"/>
+            <a:r>
+              <a:rPr lang="zh-CN" altLang="en-US" dirty="0"/>
+              <a:t>当多个应用程序在并发访问数据库时，可以在这些应用程序之间提供一个隔离方法，以防止彼此的操作互相干扰。</a:t>
+            </a:r>
+            <a:endParaRPr lang="zh-CN" altLang="en-US" dirty="0"/>
           </a:p>
         </p:txBody>
       </p:sp>
@@ -39846,10 +39927,1483 @@
           <a:chExt cx="0" cy="0"/>
         </a:xfrm>
       </p:grpSpPr>
+      <p:sp>
+        <p:nvSpPr>
+          <p:cNvPr id="2" name="标题 1"/>
+          <p:cNvSpPr>
+            <a:spLocks noGrp="1"/>
+          </p:cNvSpPr>
+          <p:nvPr>
+            <p:ph type="title"/>
+          </p:nvPr>
+        </p:nvSpPr>
+        <p:spPr/>
+        <p:txBody>
+          <a:bodyPr>
+            <a:normAutofit fontScale="90000"/>
+          </a:bodyPr>
+          <a:lstStyle/>
+          <a:p>
+            <a:r>
+              <a:rPr lang="zh-CN" altLang="en-US" dirty="0">
+                <a:effectLst/>
+              </a:rPr>
+              <a:t>数据库事务的</a:t>
+            </a:r>
+            <a:r>
+              <a:rPr lang="zh-CN" altLang="en-US" dirty="0" smtClean="0">
+                <a:effectLst/>
+              </a:rPr>
+              <a:t>特性 </a:t>
+            </a:r>
+            <a:r>
+              <a:rPr lang="en-US" altLang="zh-CN" dirty="0" smtClean="0">
+                <a:effectLst/>
+              </a:rPr>
+              <a:t>- ACID</a:t>
+            </a:r>
+            <a:r>
+              <a:rPr lang="zh-CN" altLang="en-US" dirty="0" smtClean="0">
+                <a:effectLst/>
+              </a:rPr>
+              <a:t>性质</a:t>
+            </a:r>
+            <a:endParaRPr lang="zh-CN" altLang="en-US" dirty="0"/>
+          </a:p>
+        </p:txBody>
+      </p:sp>
+      <p:sp>
+        <p:nvSpPr>
+          <p:cNvPr id="3" name="内容占位符 2"/>
+          <p:cNvSpPr>
+            <a:spLocks noGrp="1"/>
+          </p:cNvSpPr>
+          <p:nvPr>
+            <p:ph idx="1"/>
+          </p:nvPr>
+        </p:nvSpPr>
+        <p:spPr/>
+        <p:txBody>
+          <a:bodyPr>
+            <a:normAutofit fontScale="85000" lnSpcReduction="20000"/>
+          </a:bodyPr>
+          <a:lstStyle/>
+          <a:p>
+            <a:r>
+              <a:rPr lang="zh-CN" altLang="en-US" dirty="0" smtClean="0"/>
+              <a:t>原子</a:t>
+            </a:r>
+            <a:r>
+              <a:rPr lang="zh-CN" altLang="en-US" dirty="0"/>
+              <a:t>性（</a:t>
+            </a:r>
+            <a:r>
+              <a:rPr lang="en-US" altLang="zh-CN" dirty="0"/>
+              <a:t>Atomicity</a:t>
+            </a:r>
+            <a:r>
+              <a:rPr lang="zh-CN" altLang="en-US" dirty="0"/>
+              <a:t>）：事务作为一个整体被执行，包含在其中的对数据库的操作要么全部被执行，要么都不执行</a:t>
+            </a:r>
+            <a:r>
+              <a:rPr lang="en-US" altLang="zh-CN" dirty="0"/>
+              <a:t>[3]</a:t>
+            </a:r>
+            <a:r>
+              <a:rPr lang="zh-CN" altLang="en-US" dirty="0"/>
+              <a:t>。</a:t>
+            </a:r>
+          </a:p>
+          <a:p>
+            <a:r>
+              <a:rPr lang="zh-CN" altLang="en-US" dirty="0"/>
+              <a:t>一致性（</a:t>
+            </a:r>
+            <a:r>
+              <a:rPr lang="en-US" altLang="zh-CN" dirty="0"/>
+              <a:t>Consistency</a:t>
+            </a:r>
+            <a:r>
+              <a:rPr lang="zh-CN" altLang="en-US" dirty="0"/>
+              <a:t>）：事务应确保数据库的状态从一个一致状态转变为另一个一致状态。一致状态的含义是数据库中的数据应满足</a:t>
+            </a:r>
+            <a:r>
+              <a:rPr lang="zh-CN" altLang="en-US" dirty="0" smtClean="0"/>
+              <a:t>完整性约束。</a:t>
+            </a:r>
+            <a:endParaRPr lang="zh-CN" altLang="en-US" dirty="0"/>
+          </a:p>
+          <a:p>
+            <a:r>
+              <a:rPr lang="zh-CN" altLang="en-US" dirty="0"/>
+              <a:t>隔离性（</a:t>
+            </a:r>
+            <a:r>
+              <a:rPr lang="en-US" altLang="zh-CN" dirty="0"/>
+              <a:t>Isolation</a:t>
+            </a:r>
+            <a:r>
+              <a:rPr lang="zh-CN" altLang="en-US" dirty="0"/>
+              <a:t>）：当多个用户并发访问数据库时，比如操作同一张表时，数据库为每一个用户开启的事务，不能被其他事务的操作所干扰，多个并发事务之间要相互隔离。</a:t>
+            </a:r>
+          </a:p>
+          <a:p>
+            <a:r>
+              <a:rPr lang="zh-CN" altLang="en-US" dirty="0"/>
+              <a:t>持久性（</a:t>
+            </a:r>
+            <a:r>
+              <a:rPr lang="en-US" altLang="zh-CN" dirty="0"/>
+              <a:t>Durability</a:t>
+            </a:r>
+            <a:r>
+              <a:rPr lang="zh-CN" altLang="en-US" dirty="0"/>
+              <a:t>）：已被提交的事务对数据库的修改应该永久保存在数据库中</a:t>
+            </a:r>
+            <a:r>
+              <a:rPr lang="en-US" altLang="zh-CN" dirty="0"/>
+              <a:t>[3]</a:t>
+            </a:r>
+            <a:r>
+              <a:rPr lang="zh-CN" altLang="en-US" dirty="0"/>
+              <a:t>。</a:t>
+            </a:r>
+          </a:p>
+        </p:txBody>
+      </p:sp>
     </p:spTree>
     <p:extLst>
       <p:ext uri="{BB962C8B-B14F-4D97-AF65-F5344CB8AC3E}">
-        <p14:creationId xmlns:p14="http://schemas.microsoft.com/office/powerpoint/2010/main" val="3418871224"/>
+        <p14:creationId xmlns:p14="http://schemas.microsoft.com/office/powerpoint/2010/main" val="1437505735"/>
+      </p:ext>
+    </p:extLst>
+  </p:cSld>
+  <p:clrMapOvr>
+    <a:masterClrMapping/>
+  </p:clrMapOvr>
+</p:sld>
+</file>
+
+<file path=ppt/slides/slide4.xml><?xml version="1.0" encoding="utf-8"?>
+<p:sld xmlns:a="http://schemas.openxmlformats.org/drawingml/2006/main" xmlns:r="http://schemas.openxmlformats.org/officeDocument/2006/relationships" xmlns:p="http://schemas.openxmlformats.org/presentationml/2006/main">
+  <p:cSld>
+    <p:spTree>
+      <p:nvGrpSpPr>
+        <p:cNvPr id="1" name=""/>
+        <p:cNvGrpSpPr/>
+        <p:nvPr/>
+      </p:nvGrpSpPr>
+      <p:grpSpPr>
+        <a:xfrm>
+          <a:off x="0" y="0"/>
+          <a:ext cx="0" cy="0"/>
+          <a:chOff x="0" y="0"/>
+          <a:chExt cx="0" cy="0"/>
+        </a:xfrm>
+      </p:grpSpPr>
+      <p:sp>
+        <p:nvSpPr>
+          <p:cNvPr id="2" name="标题 1"/>
+          <p:cNvSpPr>
+            <a:spLocks noGrp="1"/>
+          </p:cNvSpPr>
+          <p:nvPr>
+            <p:ph type="title"/>
+          </p:nvPr>
+        </p:nvSpPr>
+        <p:spPr/>
+        <p:txBody>
+          <a:bodyPr>
+            <a:normAutofit fontScale="90000"/>
+          </a:bodyPr>
+          <a:lstStyle/>
+          <a:p>
+            <a:r>
+              <a:rPr lang="zh-CN" altLang="en-US" dirty="0"/>
+              <a:t>不考虑事务的隔离</a:t>
+            </a:r>
+            <a:r>
+              <a:rPr lang="zh-CN" altLang="en-US" dirty="0" smtClean="0"/>
+              <a:t>性的问题</a:t>
+            </a:r>
+            <a:endParaRPr lang="zh-CN" altLang="en-US" dirty="0"/>
+          </a:p>
+        </p:txBody>
+      </p:sp>
+      <p:sp>
+        <p:nvSpPr>
+          <p:cNvPr id="3" name="内容占位符 2"/>
+          <p:cNvSpPr>
+            <a:spLocks noGrp="1"/>
+          </p:cNvSpPr>
+          <p:nvPr>
+            <p:ph idx="1"/>
+          </p:nvPr>
+        </p:nvSpPr>
+        <p:spPr>
+          <a:xfrm>
+            <a:off x="457200" y="1124745"/>
+            <a:ext cx="8229600" cy="4536504"/>
+          </a:xfrm>
+        </p:spPr>
+        <p:txBody>
+          <a:bodyPr>
+            <a:normAutofit fontScale="77500" lnSpcReduction="20000"/>
+          </a:bodyPr>
+          <a:lstStyle/>
+          <a:p>
+            <a:r>
+              <a:rPr lang="zh-CN" altLang="en-US" dirty="0"/>
+              <a:t>脏</a:t>
+            </a:r>
+            <a:r>
+              <a:rPr lang="zh-CN" altLang="en-US" dirty="0" smtClean="0"/>
+              <a:t>读</a:t>
+            </a:r>
+            <a:endParaRPr lang="en-US" altLang="zh-CN" dirty="0" smtClean="0"/>
+          </a:p>
+          <a:p>
+            <a:pPr lvl="1"/>
+            <a:r>
+              <a:rPr lang="zh-CN" altLang="en-US" dirty="0" smtClean="0"/>
+              <a:t>在</a:t>
+            </a:r>
+            <a:r>
+              <a:rPr lang="zh-CN" altLang="en-US" dirty="0"/>
+              <a:t>一个事务处理过程里读取了另一个未提交的事务中的</a:t>
+            </a:r>
+            <a:r>
+              <a:rPr lang="zh-CN" altLang="en-US" dirty="0" smtClean="0"/>
+              <a:t>数据</a:t>
+            </a:r>
+            <a:endParaRPr lang="en-US" altLang="zh-CN" dirty="0" smtClean="0"/>
+          </a:p>
+          <a:p>
+            <a:r>
+              <a:rPr lang="zh-CN" altLang="en-US" dirty="0"/>
+              <a:t>不可重</a:t>
+            </a:r>
+            <a:r>
+              <a:rPr lang="zh-CN" altLang="en-US" dirty="0" smtClean="0"/>
+              <a:t>复读</a:t>
+            </a:r>
+            <a:endParaRPr lang="en-US" altLang="zh-CN" dirty="0" smtClean="0"/>
+          </a:p>
+          <a:p>
+            <a:pPr lvl="1"/>
+            <a:r>
+              <a:rPr lang="zh-CN" altLang="en-US" dirty="0" smtClean="0"/>
+              <a:t>对于</a:t>
+            </a:r>
+            <a:r>
+              <a:rPr lang="zh-CN" altLang="en-US" dirty="0"/>
+              <a:t>数据库中的某个数据，一个事务范围内多次查询却返回了不同的数据值，这是由于在查询间隔，被另一个事务修改并提交了</a:t>
+            </a:r>
+            <a:r>
+              <a:rPr lang="zh-CN" altLang="en-US" dirty="0" smtClean="0"/>
+              <a:t>。</a:t>
+            </a:r>
+            <a:endParaRPr lang="en-US" altLang="zh-CN" dirty="0" smtClean="0"/>
+          </a:p>
+          <a:p>
+            <a:r>
+              <a:rPr lang="zh-CN" altLang="en-US" dirty="0"/>
+              <a:t>虚读</a:t>
+            </a:r>
+            <a:r>
+              <a:rPr lang="en-US" altLang="zh-CN" dirty="0"/>
+              <a:t>(</a:t>
+            </a:r>
+            <a:r>
+              <a:rPr lang="zh-CN" altLang="en-US" dirty="0"/>
+              <a:t>幻读</a:t>
+            </a:r>
+            <a:r>
+              <a:rPr lang="en-US" altLang="zh-CN" dirty="0" smtClean="0"/>
+              <a:t>)</a:t>
+            </a:r>
+          </a:p>
+          <a:p>
+            <a:pPr lvl="1"/>
+            <a:r>
+              <a:rPr lang="zh-CN" altLang="en-US" dirty="0" smtClean="0"/>
+              <a:t>幻</a:t>
+            </a:r>
+            <a:r>
+              <a:rPr lang="zh-CN" altLang="en-US" dirty="0"/>
+              <a:t>读是事务非独立执行时发生的一种现象</a:t>
+            </a:r>
+            <a:r>
+              <a:rPr lang="zh-CN" altLang="en-US" dirty="0" smtClean="0"/>
+              <a:t>。</a:t>
+            </a:r>
+            <a:endParaRPr lang="en-US" altLang="zh-CN" dirty="0" smtClean="0"/>
+          </a:p>
+          <a:p>
+            <a:pPr lvl="1"/>
+            <a:r>
+              <a:rPr lang="zh-CN" altLang="en-US" dirty="0" smtClean="0"/>
+              <a:t>例如</a:t>
+            </a:r>
+            <a:r>
+              <a:rPr lang="zh-CN" altLang="en-US" dirty="0"/>
+              <a:t>事务</a:t>
+            </a:r>
+            <a:r>
+              <a:rPr lang="en-US" altLang="zh-CN" dirty="0"/>
+              <a:t>T1</a:t>
+            </a:r>
+            <a:r>
+              <a:rPr lang="zh-CN" altLang="en-US" dirty="0"/>
+              <a:t>对一个表中所有的行的某个数据项做了从“</a:t>
+            </a:r>
+            <a:r>
+              <a:rPr lang="en-US" altLang="zh-CN" dirty="0"/>
+              <a:t>1”</a:t>
+            </a:r>
+            <a:r>
+              <a:rPr lang="zh-CN" altLang="en-US" dirty="0"/>
+              <a:t>修改为“</a:t>
+            </a:r>
+            <a:r>
+              <a:rPr lang="en-US" altLang="zh-CN" dirty="0"/>
+              <a:t>2”</a:t>
+            </a:r>
+            <a:r>
+              <a:rPr lang="zh-CN" altLang="en-US" dirty="0"/>
+              <a:t>的操作，这时事务</a:t>
+            </a:r>
+            <a:r>
+              <a:rPr lang="en-US" altLang="zh-CN" dirty="0"/>
+              <a:t>T2</a:t>
+            </a:r>
+            <a:r>
+              <a:rPr lang="zh-CN" altLang="en-US" dirty="0"/>
+              <a:t>又对这个表中插入了一行数据项，而这个数据项的数值还是为“</a:t>
+            </a:r>
+            <a:r>
+              <a:rPr lang="en-US" altLang="zh-CN" dirty="0"/>
+              <a:t>1”</a:t>
+            </a:r>
+            <a:r>
+              <a:rPr lang="zh-CN" altLang="en-US" dirty="0"/>
+              <a:t>并且提交给数据库。而操作事务</a:t>
+            </a:r>
+            <a:r>
+              <a:rPr lang="en-US" altLang="zh-CN" dirty="0"/>
+              <a:t>T1</a:t>
+            </a:r>
+            <a:r>
+              <a:rPr lang="zh-CN" altLang="en-US" dirty="0"/>
+              <a:t>的用户如果再查看刚刚修改的数据，会发现还有一行没有修改，其实这行是从事务</a:t>
+            </a:r>
+            <a:r>
+              <a:rPr lang="en-US" altLang="zh-CN" dirty="0"/>
+              <a:t>T2</a:t>
+            </a:r>
+            <a:r>
+              <a:rPr lang="zh-CN" altLang="en-US" dirty="0"/>
+              <a:t>中添加的，就好像产生幻觉一样，这就是发生了幻读</a:t>
+            </a:r>
+            <a:r>
+              <a:rPr lang="zh-CN" altLang="en-US" dirty="0" smtClean="0"/>
+              <a:t>。</a:t>
+            </a:r>
+            <a:endParaRPr lang="zh-CN" altLang="en-US" dirty="0"/>
+          </a:p>
+        </p:txBody>
+      </p:sp>
+    </p:spTree>
+    <p:extLst>
+      <p:ext uri="{BB962C8B-B14F-4D97-AF65-F5344CB8AC3E}">
+        <p14:creationId xmlns:p14="http://schemas.microsoft.com/office/powerpoint/2010/main" val="3908047231"/>
+      </p:ext>
+    </p:extLst>
+  </p:cSld>
+  <p:clrMapOvr>
+    <a:masterClrMapping/>
+  </p:clrMapOvr>
+</p:sld>
+</file>
+
+<file path=ppt/slides/slide5.xml><?xml version="1.0" encoding="utf-8"?>
+<p:sld xmlns:a="http://schemas.openxmlformats.org/drawingml/2006/main" xmlns:r="http://schemas.openxmlformats.org/officeDocument/2006/relationships" xmlns:p="http://schemas.openxmlformats.org/presentationml/2006/main">
+  <p:cSld>
+    <p:spTree>
+      <p:nvGrpSpPr>
+        <p:cNvPr id="1" name=""/>
+        <p:cNvGrpSpPr/>
+        <p:nvPr/>
+      </p:nvGrpSpPr>
+      <p:grpSpPr>
+        <a:xfrm>
+          <a:off x="0" y="0"/>
+          <a:ext cx="0" cy="0"/>
+          <a:chOff x="0" y="0"/>
+          <a:chExt cx="0" cy="0"/>
+        </a:xfrm>
+      </p:grpSpPr>
+      <p:sp>
+        <p:nvSpPr>
+          <p:cNvPr id="2" name="标题 1"/>
+          <p:cNvSpPr>
+            <a:spLocks noGrp="1"/>
+          </p:cNvSpPr>
+          <p:nvPr>
+            <p:ph type="title"/>
+          </p:nvPr>
+        </p:nvSpPr>
+        <p:spPr/>
+        <p:txBody>
+          <a:bodyPr>
+            <a:normAutofit fontScale="90000"/>
+          </a:bodyPr>
+          <a:lstStyle/>
+          <a:p>
+            <a:r>
+              <a:rPr lang="zh-CN" altLang="en-US" dirty="0"/>
+              <a:t>四种隔离级别</a:t>
+            </a:r>
+          </a:p>
+        </p:txBody>
+      </p:sp>
+      <p:sp>
+        <p:nvSpPr>
+          <p:cNvPr id="3" name="内容占位符 2"/>
+          <p:cNvSpPr>
+            <a:spLocks noGrp="1"/>
+          </p:cNvSpPr>
+          <p:nvPr>
+            <p:ph idx="1"/>
+          </p:nvPr>
+        </p:nvSpPr>
+        <p:spPr/>
+        <p:txBody>
+          <a:bodyPr/>
+          <a:lstStyle/>
+          <a:p>
+            <a:r>
+              <a:rPr lang="en-US" altLang="zh-CN" dirty="0" err="1"/>
+              <a:t>Serializabl</a:t>
+            </a:r>
+            <a:r>
+              <a:rPr lang="en-US" altLang="zh-CN" dirty="0"/>
+              <a:t>(</a:t>
+            </a:r>
+            <a:r>
+              <a:rPr lang="zh-CN" altLang="en-US" dirty="0"/>
+              <a:t>串行化</a:t>
+            </a:r>
+            <a:r>
+              <a:rPr lang="en-US" altLang="zh-CN" dirty="0" smtClean="0"/>
+              <a:t>)</a:t>
+            </a:r>
+          </a:p>
+          <a:p>
+            <a:pPr lvl="1"/>
+            <a:r>
+              <a:rPr lang="zh-CN" altLang="en-US" dirty="0" smtClean="0"/>
+              <a:t>可</a:t>
+            </a:r>
+            <a:r>
+              <a:rPr lang="zh-CN" altLang="en-US" dirty="0"/>
+              <a:t>避免脏读、不可重复读、幻读的发生。</a:t>
+            </a:r>
+          </a:p>
+          <a:p>
+            <a:r>
+              <a:rPr lang="en-US" altLang="zh-CN" dirty="0"/>
+              <a:t>Repeatable read (</a:t>
+            </a:r>
+            <a:r>
+              <a:rPr lang="zh-CN" altLang="en-US" dirty="0"/>
+              <a:t>可重复读</a:t>
+            </a:r>
+            <a:r>
+              <a:rPr lang="en-US" altLang="zh-CN" dirty="0" smtClean="0"/>
+              <a:t>)</a:t>
+            </a:r>
+          </a:p>
+          <a:p>
+            <a:pPr lvl="1"/>
+            <a:r>
+              <a:rPr lang="zh-CN" altLang="en-US" dirty="0" smtClean="0"/>
+              <a:t>可</a:t>
+            </a:r>
+            <a:r>
+              <a:rPr lang="zh-CN" altLang="en-US" dirty="0"/>
+              <a:t>避免脏读、不可重复读的发生。</a:t>
+            </a:r>
+          </a:p>
+          <a:p>
+            <a:r>
+              <a:rPr lang="en-US" altLang="zh-CN" dirty="0"/>
+              <a:t>Read committed (</a:t>
+            </a:r>
+            <a:r>
+              <a:rPr lang="zh-CN" altLang="en-US" dirty="0"/>
+              <a:t>读已提交</a:t>
+            </a:r>
+            <a:r>
+              <a:rPr lang="en-US" altLang="zh-CN" dirty="0" smtClean="0"/>
+              <a:t>)</a:t>
+            </a:r>
+          </a:p>
+          <a:p>
+            <a:pPr lvl="1"/>
+            <a:r>
+              <a:rPr lang="zh-CN" altLang="en-US" dirty="0" smtClean="0"/>
+              <a:t>可</a:t>
+            </a:r>
+            <a:r>
+              <a:rPr lang="zh-CN" altLang="en-US" dirty="0"/>
+              <a:t>避免脏读的发生。</a:t>
+            </a:r>
+          </a:p>
+          <a:p>
+            <a:r>
+              <a:rPr lang="en-US" altLang="zh-CN" dirty="0"/>
+              <a:t>Read uncommitted (</a:t>
+            </a:r>
+            <a:r>
+              <a:rPr lang="zh-CN" altLang="en-US" dirty="0"/>
+              <a:t>读未提交</a:t>
+            </a:r>
+            <a:r>
+              <a:rPr lang="en-US" altLang="zh-CN" dirty="0" smtClean="0"/>
+              <a:t>)</a:t>
+            </a:r>
+          </a:p>
+          <a:p>
+            <a:pPr lvl="1"/>
+            <a:r>
+              <a:rPr lang="zh-CN" altLang="en-US" dirty="0" smtClean="0"/>
+              <a:t>最低</a:t>
+            </a:r>
+            <a:r>
+              <a:rPr lang="zh-CN" altLang="en-US" dirty="0"/>
+              <a:t>级别，任何情况都无法保证。</a:t>
+            </a:r>
+          </a:p>
+        </p:txBody>
+      </p:sp>
+    </p:spTree>
+    <p:extLst>
+      <p:ext uri="{BB962C8B-B14F-4D97-AF65-F5344CB8AC3E}">
+        <p14:creationId xmlns:p14="http://schemas.microsoft.com/office/powerpoint/2010/main" val="1248417273"/>
+      </p:ext>
+    </p:extLst>
+  </p:cSld>
+  <p:clrMapOvr>
+    <a:masterClrMapping/>
+  </p:clrMapOvr>
+</p:sld>
+</file>
+
+<file path=ppt/slides/slide6.xml><?xml version="1.0" encoding="utf-8"?>
+<p:sld xmlns:a="http://schemas.openxmlformats.org/drawingml/2006/main" xmlns:r="http://schemas.openxmlformats.org/officeDocument/2006/relationships" xmlns:p="http://schemas.openxmlformats.org/presentationml/2006/main">
+  <p:cSld>
+    <p:spTree>
+      <p:nvGrpSpPr>
+        <p:cNvPr id="1" name=""/>
+        <p:cNvGrpSpPr/>
+        <p:nvPr/>
+      </p:nvGrpSpPr>
+      <p:grpSpPr>
+        <a:xfrm>
+          <a:off x="0" y="0"/>
+          <a:ext cx="0" cy="0"/>
+          <a:chOff x="0" y="0"/>
+          <a:chExt cx="0" cy="0"/>
+        </a:xfrm>
+      </p:grpSpPr>
+      <p:sp>
+        <p:nvSpPr>
+          <p:cNvPr id="2" name="标题 1"/>
+          <p:cNvSpPr>
+            <a:spLocks noGrp="1"/>
+          </p:cNvSpPr>
+          <p:nvPr>
+            <p:ph type="title"/>
+          </p:nvPr>
+        </p:nvSpPr>
+        <p:spPr/>
+        <p:txBody>
+          <a:bodyPr>
+            <a:normAutofit fontScale="90000"/>
+          </a:bodyPr>
+          <a:lstStyle/>
+          <a:p>
+            <a:r>
+              <a:rPr lang="en-US" altLang="zh-CN" dirty="0"/>
+              <a:t>@Transactional </a:t>
+            </a:r>
+            <a:r>
+              <a:rPr lang="en-US" altLang="zh-CN" dirty="0" smtClean="0"/>
+              <a:t/>
+            </a:r>
+            <a:br>
+              <a:rPr lang="en-US" altLang="zh-CN" dirty="0" smtClean="0"/>
+            </a:br>
+            <a:r>
+              <a:rPr lang="en-US" altLang="zh-CN" dirty="0" smtClean="0"/>
+              <a:t>(</a:t>
+            </a:r>
+            <a:r>
+              <a:rPr lang="en-US" altLang="zh-CN" dirty="0"/>
+              <a:t>isolation=</a:t>
+            </a:r>
+            <a:r>
+              <a:rPr lang="en-US" altLang="zh-CN" dirty="0" err="1"/>
+              <a:t>Isolation.READ_COMMITTED</a:t>
+            </a:r>
+            <a:r>
+              <a:rPr lang="en-US" altLang="zh-CN" dirty="0"/>
+              <a:t>)</a:t>
+            </a:r>
+            <a:endParaRPr lang="zh-CN" altLang="en-US" dirty="0"/>
+          </a:p>
+        </p:txBody>
+      </p:sp>
+      <p:sp>
+        <p:nvSpPr>
+          <p:cNvPr id="3" name="内容占位符 2"/>
+          <p:cNvSpPr>
+            <a:spLocks noGrp="1"/>
+          </p:cNvSpPr>
+          <p:nvPr>
+            <p:ph idx="1"/>
+          </p:nvPr>
+        </p:nvSpPr>
+        <p:spPr/>
+        <p:txBody>
+          <a:bodyPr>
+            <a:normAutofit fontScale="92500" lnSpcReduction="20000"/>
+          </a:bodyPr>
+          <a:lstStyle/>
+          <a:p>
+            <a:r>
+              <a:rPr lang="en-US" altLang="zh-CN" dirty="0"/>
+              <a:t>DEFAULT</a:t>
+            </a:r>
+          </a:p>
+          <a:p>
+            <a:pPr lvl="1"/>
+            <a:r>
+              <a:rPr lang="zh-CN" altLang="en-US" dirty="0"/>
+              <a:t>使用数据库的缺省隔绝级</a:t>
+            </a:r>
+          </a:p>
+          <a:p>
+            <a:r>
+              <a:rPr lang="en-US" altLang="zh-CN" dirty="0"/>
+              <a:t>READ_COMMITTED</a:t>
+            </a:r>
+          </a:p>
+          <a:p>
+            <a:pPr lvl="1"/>
+            <a:r>
+              <a:rPr lang="zh-CN" altLang="en-US" dirty="0"/>
+              <a:t>可以避免脏读，但会发生不可重复读和幻读</a:t>
+            </a:r>
+          </a:p>
+          <a:p>
+            <a:r>
+              <a:rPr lang="en-US" altLang="zh-CN" dirty="0"/>
+              <a:t>READ_UNCOMMITTED</a:t>
+            </a:r>
+          </a:p>
+          <a:p>
+            <a:pPr lvl="1"/>
+            <a:r>
+              <a:rPr lang="zh-CN" altLang="en-US" dirty="0"/>
+              <a:t>一个事务可以读取其它事务未提交的数据</a:t>
+            </a:r>
+          </a:p>
+          <a:p>
+            <a:r>
+              <a:rPr lang="en-US" altLang="zh-CN" dirty="0"/>
+              <a:t>REPEATABLE_READ</a:t>
+            </a:r>
+          </a:p>
+          <a:p>
+            <a:pPr lvl="1"/>
+            <a:r>
+              <a:rPr lang="zh-CN" altLang="en-US" dirty="0"/>
+              <a:t>可以避免脏读和不可重复读，但会发生幻读</a:t>
+            </a:r>
+          </a:p>
+          <a:p>
+            <a:r>
+              <a:rPr lang="en-US" altLang="zh-CN" dirty="0"/>
+              <a:t>SERIALIZABLE</a:t>
+            </a:r>
+          </a:p>
+          <a:p>
+            <a:pPr lvl="1"/>
+            <a:r>
+              <a:rPr lang="zh-CN" altLang="en-US" dirty="0"/>
+              <a:t>脏读、不可重复读和幻读都可以避免</a:t>
+            </a:r>
+          </a:p>
+        </p:txBody>
+      </p:sp>
+    </p:spTree>
+    <p:extLst>
+      <p:ext uri="{BB962C8B-B14F-4D97-AF65-F5344CB8AC3E}">
+        <p14:creationId xmlns:p14="http://schemas.microsoft.com/office/powerpoint/2010/main" val="3657426089"/>
+      </p:ext>
+    </p:extLst>
+  </p:cSld>
+  <p:clrMapOvr>
+    <a:masterClrMapping/>
+  </p:clrMapOvr>
+</p:sld>
+</file>
+
+<file path=ppt/slides/slide7.xml><?xml version="1.0" encoding="utf-8"?>
+<p:sld xmlns:a="http://schemas.openxmlformats.org/drawingml/2006/main" xmlns:r="http://schemas.openxmlformats.org/officeDocument/2006/relationships" xmlns:p="http://schemas.openxmlformats.org/presentationml/2006/main">
+  <p:cSld>
+    <p:spTree>
+      <p:nvGrpSpPr>
+        <p:cNvPr id="1" name=""/>
+        <p:cNvGrpSpPr/>
+        <p:nvPr/>
+      </p:nvGrpSpPr>
+      <p:grpSpPr>
+        <a:xfrm>
+          <a:off x="0" y="0"/>
+          <a:ext cx="0" cy="0"/>
+          <a:chOff x="0" y="0"/>
+          <a:chExt cx="0" cy="0"/>
+        </a:xfrm>
+      </p:grpSpPr>
+      <p:sp>
+        <p:nvSpPr>
+          <p:cNvPr id="2" name="标题 1"/>
+          <p:cNvSpPr>
+            <a:spLocks noGrp="1"/>
+          </p:cNvSpPr>
+          <p:nvPr>
+            <p:ph type="title"/>
+          </p:nvPr>
+        </p:nvSpPr>
+        <p:spPr/>
+        <p:txBody>
+          <a:bodyPr>
+            <a:normAutofit fontScale="90000"/>
+          </a:bodyPr>
+          <a:lstStyle/>
+          <a:p>
+            <a:r>
+              <a:rPr lang="en-US" altLang="zh-CN" dirty="0"/>
+              <a:t>@Transactional</a:t>
+            </a:r>
+            <a:r>
+              <a:rPr lang="en-US" altLang="zh-CN" dirty="0" smtClean="0"/>
+              <a:t>(</a:t>
+            </a:r>
+            <a:br>
+              <a:rPr lang="en-US" altLang="zh-CN" dirty="0" smtClean="0"/>
+            </a:br>
+            <a:r>
+              <a:rPr lang="en-US" altLang="zh-CN" dirty="0" smtClean="0"/>
+              <a:t>propagation=</a:t>
+            </a:r>
+            <a:r>
+              <a:rPr lang="en-US" altLang="zh-CN" dirty="0" err="1" smtClean="0"/>
+              <a:t>Propagation.REQUIRED</a:t>
+            </a:r>
+            <a:r>
+              <a:rPr lang="en-US" altLang="zh-CN" dirty="0"/>
+              <a:t>)</a:t>
+            </a:r>
+            <a:endParaRPr lang="zh-CN" altLang="en-US" dirty="0"/>
+          </a:p>
+        </p:txBody>
+      </p:sp>
+      <p:sp>
+        <p:nvSpPr>
+          <p:cNvPr id="3" name="内容占位符 2"/>
+          <p:cNvSpPr>
+            <a:spLocks noGrp="1"/>
+          </p:cNvSpPr>
+          <p:nvPr>
+            <p:ph idx="1"/>
+          </p:nvPr>
+        </p:nvSpPr>
+        <p:spPr>
+          <a:xfrm>
+            <a:off x="457200" y="1052736"/>
+            <a:ext cx="8229600" cy="5073427"/>
+          </a:xfrm>
+        </p:spPr>
+        <p:txBody>
+          <a:bodyPr>
+            <a:normAutofit fontScale="70000" lnSpcReduction="20000"/>
+          </a:bodyPr>
+          <a:lstStyle/>
+          <a:p>
+            <a:r>
+              <a:rPr lang="en-US" altLang="zh-CN" dirty="0" smtClean="0"/>
+              <a:t>REQUIRED</a:t>
+            </a:r>
+            <a:endParaRPr lang="en-US" altLang="zh-CN" dirty="0"/>
+          </a:p>
+          <a:p>
+            <a:pPr lvl="1"/>
+            <a:r>
+              <a:rPr lang="zh-CN" altLang="en-US" dirty="0" smtClean="0"/>
+              <a:t>当前</a:t>
+            </a:r>
+            <a:r>
+              <a:rPr lang="zh-CN" altLang="en-US" dirty="0"/>
+              <a:t>方法必须在事务中执行。如果当前有事务，则使用这个事务；否则，开启一个新的事务</a:t>
+            </a:r>
+          </a:p>
+          <a:p>
+            <a:r>
+              <a:rPr lang="en-US" altLang="zh-CN" dirty="0" smtClean="0"/>
+              <a:t>REQUIRES_NEW</a:t>
+            </a:r>
+          </a:p>
+          <a:p>
+            <a:pPr lvl="1"/>
+            <a:r>
+              <a:rPr lang="zh-CN" altLang="en-US" dirty="0" smtClean="0"/>
+              <a:t>当前</a:t>
+            </a:r>
+            <a:r>
+              <a:rPr lang="zh-CN" altLang="en-US" dirty="0"/>
+              <a:t>方法必须在一个新的事务中执行。如果当前已有事务，则挂起当前事务，开启一个新的事务。</a:t>
+            </a:r>
+          </a:p>
+          <a:p>
+            <a:r>
+              <a:rPr lang="en-US" altLang="zh-CN" dirty="0" smtClean="0"/>
+              <a:t>MANDATORY  </a:t>
+            </a:r>
+          </a:p>
+          <a:p>
+            <a:pPr lvl="1"/>
+            <a:r>
+              <a:rPr lang="zh-CN" altLang="en-US" dirty="0" smtClean="0"/>
+              <a:t>当前</a:t>
+            </a:r>
+            <a:r>
+              <a:rPr lang="zh-CN" altLang="en-US" dirty="0"/>
+              <a:t>方法必须在一个已开启的事务中执行。如果当前没有事务，则失败。</a:t>
+            </a:r>
+          </a:p>
+          <a:p>
+            <a:r>
+              <a:rPr lang="en-US" altLang="zh-CN" dirty="0" smtClean="0"/>
+              <a:t>SUPPORTS</a:t>
+            </a:r>
+          </a:p>
+          <a:p>
+            <a:pPr lvl="1"/>
+            <a:r>
+              <a:rPr lang="zh-CN" altLang="en-US" dirty="0" smtClean="0"/>
+              <a:t>不管有无事务，当前方法都能执行。</a:t>
+            </a:r>
+            <a:r>
+              <a:rPr lang="en-US" altLang="zh-CN" dirty="0" smtClean="0"/>
+              <a:t>·</a:t>
+            </a:r>
+            <a:r>
+              <a:rPr lang="zh-CN" altLang="en-US" dirty="0" smtClean="0"/>
+              <a:t>例如，从数据库中读取数据的操作。</a:t>
+            </a:r>
+          </a:p>
+          <a:p>
+            <a:r>
+              <a:rPr lang="en-US" altLang="zh-CN" dirty="0" smtClean="0"/>
+              <a:t>NOT_SUPPORTED</a:t>
+            </a:r>
+          </a:p>
+          <a:p>
+            <a:pPr lvl="1"/>
+            <a:r>
+              <a:rPr lang="zh-CN" altLang="en-US" dirty="0" smtClean="0"/>
+              <a:t>只作在内存中进行计算，但不转播事务。</a:t>
+            </a:r>
+          </a:p>
+          <a:p>
+            <a:r>
+              <a:rPr lang="en-US" altLang="zh-CN" dirty="0" smtClean="0"/>
+              <a:t>NEVER</a:t>
+            </a:r>
+          </a:p>
+          <a:p>
+            <a:pPr lvl="1"/>
+            <a:r>
+              <a:rPr lang="zh-CN" altLang="en-US" dirty="0" smtClean="0"/>
+              <a:t>如果在事务中执行，则出错。一般不使用。</a:t>
+            </a:r>
+          </a:p>
+          <a:p>
+            <a:endParaRPr lang="zh-CN" altLang="en-US" dirty="0"/>
+          </a:p>
+        </p:txBody>
+      </p:sp>
+    </p:spTree>
+    <p:extLst>
+      <p:ext uri="{BB962C8B-B14F-4D97-AF65-F5344CB8AC3E}">
+        <p14:creationId xmlns:p14="http://schemas.microsoft.com/office/powerpoint/2010/main" val="2921159887"/>
+      </p:ext>
+    </p:extLst>
+  </p:cSld>
+  <p:clrMapOvr>
+    <a:masterClrMapping/>
+  </p:clrMapOvr>
+</p:sld>
+</file>
+
+<file path=ppt/slides/slide8.xml><?xml version="1.0" encoding="utf-8"?>
+<p:sld xmlns:a="http://schemas.openxmlformats.org/drawingml/2006/main" xmlns:r="http://schemas.openxmlformats.org/officeDocument/2006/relationships" xmlns:p="http://schemas.openxmlformats.org/presentationml/2006/main">
+  <p:cSld>
+    <p:spTree>
+      <p:nvGrpSpPr>
+        <p:cNvPr id="1" name=""/>
+        <p:cNvGrpSpPr/>
+        <p:nvPr/>
+      </p:nvGrpSpPr>
+      <p:grpSpPr>
+        <a:xfrm>
+          <a:off x="0" y="0"/>
+          <a:ext cx="0" cy="0"/>
+          <a:chOff x="0" y="0"/>
+          <a:chExt cx="0" cy="0"/>
+        </a:xfrm>
+      </p:grpSpPr>
+      <p:sp>
+        <p:nvSpPr>
+          <p:cNvPr id="2" name="标题 1"/>
+          <p:cNvSpPr>
+            <a:spLocks noGrp="1"/>
+          </p:cNvSpPr>
+          <p:nvPr>
+            <p:ph type="title"/>
+          </p:nvPr>
+        </p:nvSpPr>
+        <p:spPr/>
+        <p:txBody>
+          <a:bodyPr>
+            <a:normAutofit fontScale="90000"/>
+          </a:bodyPr>
+          <a:lstStyle/>
+          <a:p>
+            <a:r>
+              <a:rPr lang="zh-CN" altLang="en-US" dirty="0" smtClean="0"/>
+              <a:t>事务回滚</a:t>
+            </a:r>
+            <a:endParaRPr lang="zh-CN" altLang="en-US" dirty="0"/>
+          </a:p>
+        </p:txBody>
+      </p:sp>
+      <p:sp>
+        <p:nvSpPr>
+          <p:cNvPr id="3" name="内容占位符 2"/>
+          <p:cNvSpPr>
+            <a:spLocks noGrp="1"/>
+          </p:cNvSpPr>
+          <p:nvPr>
+            <p:ph idx="1"/>
+          </p:nvPr>
+        </p:nvSpPr>
+        <p:spPr/>
+        <p:txBody>
+          <a:bodyPr>
+            <a:normAutofit lnSpcReduction="10000"/>
+          </a:bodyPr>
+          <a:lstStyle/>
+          <a:p>
+            <a:r>
+              <a:rPr lang="en-US" altLang="zh-CN" dirty="0"/>
+              <a:t>@Transactional(</a:t>
+            </a:r>
+            <a:r>
+              <a:rPr lang="en-US" altLang="zh-CN" dirty="0" err="1"/>
+              <a:t>rollbackFor</a:t>
+            </a:r>
+            <a:r>
+              <a:rPr lang="en-US" altLang="zh-CN" dirty="0"/>
+              <a:t>=</a:t>
+            </a:r>
+            <a:r>
+              <a:rPr lang="en-US" altLang="zh-CN" dirty="0" err="1"/>
+              <a:t>Exception.class</a:t>
+            </a:r>
+            <a:r>
+              <a:rPr lang="en-US" altLang="zh-CN" dirty="0" smtClean="0"/>
+              <a:t>)</a:t>
+            </a:r>
+          </a:p>
+          <a:p>
+            <a:pPr lvl="1"/>
+            <a:r>
+              <a:rPr lang="zh-CN" altLang="en-US" dirty="0" smtClean="0"/>
+              <a:t>出错时回滚事务。</a:t>
+            </a:r>
+            <a:endParaRPr lang="en-US" altLang="zh-CN" dirty="0" smtClean="0"/>
+          </a:p>
+          <a:p>
+            <a:pPr lvl="1"/>
+            <a:r>
+              <a:rPr lang="zh-CN" altLang="en-US" dirty="0" smtClean="0"/>
+              <a:t>在</a:t>
+            </a:r>
+            <a:r>
+              <a:rPr lang="en-US" altLang="zh-CN" dirty="0" smtClean="0"/>
+              <a:t>Spring</a:t>
+            </a:r>
+            <a:r>
+              <a:rPr lang="zh-CN" altLang="en-US" dirty="0" smtClean="0"/>
+              <a:t>中，如果一个方法抛出异常而被</a:t>
+            </a:r>
+            <a:r>
+              <a:rPr lang="en-US" altLang="zh-CN" dirty="0" smtClean="0"/>
+              <a:t>Spring</a:t>
+            </a:r>
+            <a:r>
+              <a:rPr lang="zh-CN" altLang="en-US" dirty="0" smtClean="0"/>
+              <a:t>框架捕获，则事务被回滚。</a:t>
+            </a:r>
+            <a:endParaRPr lang="en-US" altLang="zh-CN" dirty="0" smtClean="0"/>
+          </a:p>
+          <a:p>
+            <a:r>
+              <a:rPr lang="en-US" altLang="zh-CN" dirty="0"/>
+              <a:t>@Transactional (</a:t>
+            </a:r>
+            <a:r>
+              <a:rPr lang="en-US" altLang="zh-CN" dirty="0" err="1"/>
+              <a:t>noRollbackFor</a:t>
+            </a:r>
+            <a:r>
+              <a:rPr lang="en-US" altLang="zh-CN" dirty="0"/>
+              <a:t>=</a:t>
+            </a:r>
+            <a:r>
+              <a:rPr lang="en-US" altLang="zh-CN" dirty="0" err="1"/>
+              <a:t>IllegalStateException.class</a:t>
+            </a:r>
+            <a:r>
+              <a:rPr lang="en-US" altLang="zh-CN" dirty="0" smtClean="0"/>
+              <a:t>)</a:t>
+            </a:r>
+          </a:p>
+          <a:p>
+            <a:pPr lvl="1"/>
+            <a:r>
+              <a:rPr lang="zh-CN" altLang="en-US" dirty="0" smtClean="0"/>
+              <a:t>出错时不回滚事务</a:t>
+            </a:r>
+            <a:endParaRPr lang="zh-CN" altLang="en-US" dirty="0"/>
+          </a:p>
+        </p:txBody>
+      </p:sp>
+    </p:spTree>
+    <p:extLst>
+      <p:ext uri="{BB962C8B-B14F-4D97-AF65-F5344CB8AC3E}">
+        <p14:creationId xmlns:p14="http://schemas.microsoft.com/office/powerpoint/2010/main" val="424334187"/>
+      </p:ext>
+    </p:extLst>
+  </p:cSld>
+  <p:clrMapOvr>
+    <a:masterClrMapping/>
+  </p:clrMapOvr>
+  <p:timing>
+    <p:tnLst>
+      <p:par>
+        <p:cTn id="1" dur="indefinite" restart="never" nodeType="tmRoot"/>
+      </p:par>
+    </p:tnLst>
+  </p:timing>
+</p:sld>
+</file>
+
+<file path=ppt/slides/slide9.xml><?xml version="1.0" encoding="utf-8"?>
+<p:sld xmlns:a="http://schemas.openxmlformats.org/drawingml/2006/main" xmlns:r="http://schemas.openxmlformats.org/officeDocument/2006/relationships" xmlns:p="http://schemas.openxmlformats.org/presentationml/2006/main">
+  <p:cSld>
+    <p:spTree>
+      <p:nvGrpSpPr>
+        <p:cNvPr id="1" name=""/>
+        <p:cNvGrpSpPr/>
+        <p:nvPr/>
+      </p:nvGrpSpPr>
+      <p:grpSpPr>
+        <a:xfrm>
+          <a:off x="0" y="0"/>
+          <a:ext cx="0" cy="0"/>
+          <a:chOff x="0" y="0"/>
+          <a:chExt cx="0" cy="0"/>
+        </a:xfrm>
+      </p:grpSpPr>
+      <p:sp>
+        <p:nvSpPr>
+          <p:cNvPr id="2" name="标题 1"/>
+          <p:cNvSpPr>
+            <a:spLocks noGrp="1"/>
+          </p:cNvSpPr>
+          <p:nvPr>
+            <p:ph type="title"/>
+          </p:nvPr>
+        </p:nvSpPr>
+        <p:spPr/>
+        <p:txBody>
+          <a:bodyPr>
+            <a:normAutofit fontScale="90000"/>
+          </a:bodyPr>
+          <a:lstStyle/>
+          <a:p>
+            <a:r>
+              <a:rPr lang="zh-CN" altLang="en-US" dirty="0" smtClean="0"/>
+              <a:t>程序中控制事务</a:t>
+            </a:r>
+            <a:endParaRPr lang="zh-CN" altLang="en-US" dirty="0"/>
+          </a:p>
+        </p:txBody>
+      </p:sp>
+      <p:sp>
+        <p:nvSpPr>
+          <p:cNvPr id="3" name="内容占位符 2"/>
+          <p:cNvSpPr>
+            <a:spLocks noGrp="1"/>
+          </p:cNvSpPr>
+          <p:nvPr>
+            <p:ph idx="1"/>
+          </p:nvPr>
+        </p:nvSpPr>
+        <p:spPr>
+          <a:xfrm>
+            <a:off x="457200" y="1268760"/>
+            <a:ext cx="8229600" cy="4896544"/>
+          </a:xfrm>
+        </p:spPr>
+        <p:txBody>
+          <a:bodyPr>
+            <a:noAutofit/>
+          </a:bodyPr>
+          <a:lstStyle/>
+          <a:p>
+            <a:pPr marL="0" indent="0">
+              <a:buNone/>
+            </a:pPr>
+            <a:r>
+              <a:rPr lang="en-US" altLang="zh-CN" sz="1400" dirty="0"/>
+              <a:t>public class </a:t>
+            </a:r>
+            <a:r>
+              <a:rPr lang="en-US" altLang="zh-CN" sz="1400" dirty="0" err="1"/>
+              <a:t>ServiceImpl</a:t>
+            </a:r>
+            <a:r>
+              <a:rPr lang="en-US" altLang="zh-CN" sz="1400" dirty="0"/>
+              <a:t> implements Service</a:t>
+            </a:r>
+          </a:p>
+          <a:p>
+            <a:pPr marL="0" indent="0">
+              <a:buNone/>
+            </a:pPr>
+            <a:r>
+              <a:rPr lang="en-US" altLang="zh-CN" sz="1400" dirty="0"/>
+              <a:t>{</a:t>
+            </a:r>
+          </a:p>
+          <a:p>
+            <a:pPr marL="0" indent="0">
+              <a:buNone/>
+            </a:pPr>
+            <a:r>
+              <a:rPr lang="en-US" altLang="zh-CN" sz="1400" dirty="0"/>
+              <a:t> @</a:t>
+            </a:r>
+            <a:r>
+              <a:rPr lang="en-US" altLang="zh-CN" sz="1400" dirty="0" err="1"/>
+              <a:t>AutoWired</a:t>
+            </a:r>
+            <a:endParaRPr lang="en-US" altLang="zh-CN" sz="1400" dirty="0"/>
+          </a:p>
+          <a:p>
+            <a:pPr marL="0" indent="0">
+              <a:buNone/>
+            </a:pPr>
+            <a:r>
+              <a:rPr lang="en-US" altLang="zh-CN" sz="1400" dirty="0"/>
+              <a:t> private </a:t>
+            </a:r>
+            <a:r>
+              <a:rPr lang="en-US" altLang="zh-CN" sz="1400" dirty="0" err="1"/>
+              <a:t>PlatformTransactionManager</a:t>
+            </a:r>
+            <a:r>
+              <a:rPr lang="en-US" altLang="zh-CN" sz="1400" dirty="0"/>
+              <a:t> </a:t>
+            </a:r>
+            <a:r>
+              <a:rPr lang="en-US" altLang="zh-CN" sz="1400" dirty="0" err="1"/>
+              <a:t>txManager</a:t>
+            </a:r>
+            <a:r>
+              <a:rPr lang="en-US" altLang="zh-CN" sz="1400" dirty="0"/>
+              <a:t>;</a:t>
+            </a:r>
+          </a:p>
+          <a:p>
+            <a:pPr marL="0" indent="0">
+              <a:buNone/>
+            </a:pPr>
+            <a:endParaRPr lang="en-US" altLang="zh-CN" sz="1400" dirty="0"/>
+          </a:p>
+          <a:p>
+            <a:pPr marL="0" indent="0">
+              <a:buNone/>
+            </a:pPr>
+            <a:r>
+              <a:rPr lang="en-US" altLang="zh-CN" sz="1400" dirty="0"/>
+              <a:t> public void </a:t>
+            </a:r>
+            <a:r>
+              <a:rPr lang="en-US" altLang="zh-CN" sz="1400" dirty="0" err="1"/>
+              <a:t>doSomething</a:t>
+            </a:r>
+            <a:r>
+              <a:rPr lang="en-US" altLang="zh-CN" sz="1400" dirty="0"/>
+              <a:t>() {</a:t>
+            </a:r>
+          </a:p>
+          <a:p>
+            <a:pPr marL="0" indent="0">
+              <a:buNone/>
+            </a:pPr>
+            <a:r>
+              <a:rPr lang="en-US" altLang="zh-CN" sz="1400" dirty="0"/>
+              <a:t>     </a:t>
+            </a:r>
+            <a:r>
+              <a:rPr lang="en-US" altLang="zh-CN" sz="1400" dirty="0" err="1"/>
+              <a:t>DefaultTransactionDefinition</a:t>
+            </a:r>
+            <a:r>
+              <a:rPr lang="en-US" altLang="zh-CN" sz="1400" dirty="0"/>
+              <a:t> </a:t>
+            </a:r>
+            <a:r>
+              <a:rPr lang="en-US" altLang="zh-CN" sz="1400" dirty="0" err="1"/>
+              <a:t>def</a:t>
+            </a:r>
+            <a:r>
+              <a:rPr lang="en-US" altLang="zh-CN" sz="1400" dirty="0"/>
+              <a:t> = new </a:t>
+            </a:r>
+            <a:r>
+              <a:rPr lang="en-US" altLang="zh-CN" sz="1400" dirty="0" err="1"/>
+              <a:t>DefaultTransactionDefinition</a:t>
+            </a:r>
+            <a:r>
+              <a:rPr lang="en-US" altLang="zh-CN" sz="1400" dirty="0"/>
+              <a:t>();</a:t>
+            </a:r>
+          </a:p>
+          <a:p>
+            <a:pPr marL="0" indent="0">
+              <a:buNone/>
+            </a:pPr>
+            <a:r>
+              <a:rPr lang="en-US" altLang="zh-CN" sz="1400" dirty="0"/>
+              <a:t>     </a:t>
+            </a:r>
+            <a:r>
+              <a:rPr lang="en-US" altLang="zh-CN" sz="1400" dirty="0" err="1"/>
+              <a:t>def.setName</a:t>
+            </a:r>
+            <a:r>
+              <a:rPr lang="en-US" altLang="zh-CN" sz="1400" dirty="0"/>
+              <a:t>("</a:t>
+            </a:r>
+            <a:r>
+              <a:rPr lang="en-US" altLang="zh-CN" sz="1400" dirty="0" err="1"/>
+              <a:t>SomeTxName</a:t>
+            </a:r>
+            <a:r>
+              <a:rPr lang="en-US" altLang="zh-CN" sz="1400" dirty="0"/>
+              <a:t>");</a:t>
+            </a:r>
+          </a:p>
+          <a:p>
+            <a:pPr marL="0" indent="0">
+              <a:buNone/>
+            </a:pPr>
+            <a:r>
+              <a:rPr lang="en-US" altLang="zh-CN" sz="1400" dirty="0"/>
+              <a:t>     </a:t>
+            </a:r>
+            <a:r>
+              <a:rPr lang="en-US" altLang="zh-CN" sz="1400" dirty="0" err="1"/>
+              <a:t>def.setPropagationBehavior</a:t>
+            </a:r>
+            <a:r>
+              <a:rPr lang="en-US" altLang="zh-CN" sz="1400" dirty="0"/>
+              <a:t>(</a:t>
+            </a:r>
+            <a:r>
+              <a:rPr lang="en-US" altLang="zh-CN" sz="1400" dirty="0" err="1"/>
+              <a:t>TransactionDefinition.PROPAGATION_REQUIRED</a:t>
+            </a:r>
+            <a:r>
+              <a:rPr lang="en-US" altLang="zh-CN" sz="1400" dirty="0"/>
+              <a:t>);</a:t>
+            </a:r>
+          </a:p>
+          <a:p>
+            <a:pPr marL="0" indent="0">
+              <a:buNone/>
+            </a:pPr>
+            <a:r>
+              <a:rPr lang="en-US" altLang="zh-CN" sz="1400" dirty="0"/>
+              <a:t>     </a:t>
+            </a:r>
+            <a:r>
+              <a:rPr lang="en-US" altLang="zh-CN" sz="1400" dirty="0" err="1"/>
+              <a:t>TransactionStatus</a:t>
+            </a:r>
+            <a:r>
+              <a:rPr lang="en-US" altLang="zh-CN" sz="1400" dirty="0"/>
+              <a:t> status = </a:t>
+            </a:r>
+            <a:r>
+              <a:rPr lang="en-US" altLang="zh-CN" sz="1400" dirty="0" err="1"/>
+              <a:t>txManager.getTransaction</a:t>
+            </a:r>
+            <a:r>
+              <a:rPr lang="en-US" altLang="zh-CN" sz="1400" dirty="0"/>
+              <a:t>(</a:t>
+            </a:r>
+            <a:r>
+              <a:rPr lang="en-US" altLang="zh-CN" sz="1400" dirty="0" err="1"/>
+              <a:t>def</a:t>
+            </a:r>
+            <a:r>
+              <a:rPr lang="en-US" altLang="zh-CN" sz="1400" dirty="0"/>
+              <a:t>);</a:t>
+            </a:r>
+          </a:p>
+          <a:p>
+            <a:pPr marL="0" indent="0">
+              <a:buNone/>
+            </a:pPr>
+            <a:r>
+              <a:rPr lang="en-US" altLang="zh-CN" sz="1400" dirty="0"/>
+              <a:t>     try {    </a:t>
+            </a:r>
+          </a:p>
+          <a:p>
+            <a:pPr marL="0" indent="0">
+              <a:buNone/>
+            </a:pPr>
+            <a:r>
+              <a:rPr lang="en-US" altLang="zh-CN" sz="1400" dirty="0"/>
+              <a:t>        // execute your business logic here</a:t>
+            </a:r>
+          </a:p>
+          <a:p>
+            <a:pPr marL="0" indent="0">
+              <a:buNone/>
+            </a:pPr>
+            <a:r>
+              <a:rPr lang="en-US" altLang="zh-CN" sz="1400" dirty="0"/>
+              <a:t>     } catch (Exception ex)</a:t>
+            </a:r>
+          </a:p>
+          <a:p>
+            <a:pPr marL="0" indent="0">
+              <a:buNone/>
+            </a:pPr>
+            <a:r>
+              <a:rPr lang="en-US" altLang="zh-CN" sz="1400" dirty="0"/>
+              <a:t>     {    </a:t>
+            </a:r>
+          </a:p>
+          <a:p>
+            <a:pPr marL="0" indent="0">
+              <a:buNone/>
+            </a:pPr>
+            <a:r>
+              <a:rPr lang="en-US" altLang="zh-CN" sz="1400" dirty="0"/>
+              <a:t>        </a:t>
+            </a:r>
+            <a:r>
+              <a:rPr lang="en-US" altLang="zh-CN" sz="1400" dirty="0" err="1"/>
+              <a:t>txManager.rollback</a:t>
+            </a:r>
+            <a:r>
+              <a:rPr lang="en-US" altLang="zh-CN" sz="1400" dirty="0"/>
+              <a:t>(status);   </a:t>
+            </a:r>
+          </a:p>
+          <a:p>
+            <a:pPr marL="0" indent="0">
+              <a:buNone/>
+            </a:pPr>
+            <a:r>
+              <a:rPr lang="en-US" altLang="zh-CN" sz="1400" dirty="0"/>
+              <a:t>        throw ex;</a:t>
+            </a:r>
+          </a:p>
+          <a:p>
+            <a:pPr marL="0" indent="0">
+              <a:buNone/>
+            </a:pPr>
+            <a:r>
+              <a:rPr lang="en-US" altLang="zh-CN" sz="1400" dirty="0"/>
+              <a:t>     }</a:t>
+            </a:r>
+          </a:p>
+          <a:p>
+            <a:pPr marL="0" indent="0">
+              <a:buNone/>
+            </a:pPr>
+            <a:r>
+              <a:rPr lang="en-US" altLang="zh-CN" sz="1400" dirty="0"/>
+              <a:t>     </a:t>
+            </a:r>
+            <a:r>
+              <a:rPr lang="en-US" altLang="zh-CN" sz="1400" dirty="0" err="1"/>
+              <a:t>txManager.commit</a:t>
+            </a:r>
+            <a:r>
+              <a:rPr lang="en-US" altLang="zh-CN" sz="1400" dirty="0"/>
+              <a:t>(status);</a:t>
+            </a:r>
+          </a:p>
+          <a:p>
+            <a:pPr marL="0" indent="0">
+              <a:buNone/>
+            </a:pPr>
+            <a:r>
+              <a:rPr lang="en-US" altLang="zh-CN" sz="1400" dirty="0"/>
+              <a:t>  }</a:t>
+            </a:r>
+          </a:p>
+          <a:p>
+            <a:pPr marL="0" indent="0">
+              <a:buNone/>
+            </a:pPr>
+            <a:r>
+              <a:rPr lang="en-US" altLang="zh-CN" sz="1400" dirty="0" smtClean="0"/>
+              <a:t>}</a:t>
+            </a:r>
+            <a:endParaRPr lang="en-US" altLang="zh-CN" sz="1400" dirty="0"/>
+          </a:p>
+        </p:txBody>
+      </p:sp>
+    </p:spTree>
+    <p:extLst>
+      <p:ext uri="{BB962C8B-B14F-4D97-AF65-F5344CB8AC3E}">
+        <p14:creationId xmlns:p14="http://schemas.microsoft.com/office/powerpoint/2010/main" val="2655727129"/>
       </p:ext>
     </p:extLst>
   </p:cSld>
